--- a/ppt/발표자료.pptx
+++ b/ppt/발표자료.pptx
@@ -11844,7 +11844,7 @@
         <p:spPr>
           <a:xfrm>
             <a:off x="419924" y="1166333"/>
-            <a:ext cx="5675885" cy="2308324"/>
+            <a:ext cx="5675885" cy="4339650"/>
           </a:xfrm>
           <a:prstGeom prst="rect">
             <a:avLst/>
@@ -12078,15 +12078,7 @@
                 <a:ea typeface="함초롬바탕" panose="02030604000101010101" pitchFamily="18" charset="-127"/>
                 <a:cs typeface="함초롬바탕" panose="02030604000101010101" pitchFamily="18" charset="-127"/>
               </a:rPr>
-              <a:t># MVMN_NM </a:t>
-            </a:r>
-            <a:r>
-              <a:rPr lang="ko-KR" altLang="en-US" sz="1200" dirty="0" err="1">
-                <a:latin typeface="함초롬바탕" panose="02030604000101010101" pitchFamily="18" charset="-127"/>
-                <a:ea typeface="함초롬바탕" panose="02030604000101010101" pitchFamily="18" charset="-127"/>
-                <a:cs typeface="함초롬바탕" panose="02030604000101010101" pitchFamily="18" charset="-127"/>
-              </a:rPr>
-              <a:t>정보없음</a:t>
+              <a:t># MVMN_NM “UNKNOWN”</a:t>
             </a:r>
             <a:r>
               <a:rPr lang="ko-KR" altLang="en-US" sz="1200" dirty="0">
@@ -12101,6 +12093,144 @@
               <a:ea typeface="함초롬바탕" panose="02030604000101010101" pitchFamily="18" charset="-127"/>
               <a:cs typeface="함초롬바탕" panose="02030604000101010101" pitchFamily="18" charset="-127"/>
             </a:endParaRPr>
+          </a:p>
+          <a:p>
+            <a:r>
+              <a:rPr lang="en-US" altLang="ko-KR" sz="1200" dirty="0">
+                <a:latin typeface="함초롬바탕" panose="02030604000101010101" pitchFamily="18" charset="-127"/>
+                <a:ea typeface="함초롬바탕" panose="02030604000101010101" pitchFamily="18" charset="-127"/>
+                <a:cs typeface="함초롬바탕" panose="02030604000101010101" pitchFamily="18" charset="-127"/>
+              </a:rPr>
+              <a:t>#</a:t>
+            </a:r>
+            <a:r>
+              <a:rPr lang="ko-KR" altLang="en-US" sz="1200" dirty="0">
+                <a:latin typeface="함초롬바탕" panose="02030604000101010101" pitchFamily="18" charset="-127"/>
+                <a:ea typeface="함초롬바탕" panose="02030604000101010101" pitchFamily="18" charset="-127"/>
+                <a:cs typeface="함초롬바탕" panose="02030604000101010101" pitchFamily="18" charset="-127"/>
+              </a:rPr>
+              <a:t>완료</a:t>
+            </a:r>
+            <a:r>
+              <a:rPr lang="en-US" altLang="ko-KR" sz="1200" dirty="0">
+                <a:latin typeface="함초롬바탕" panose="02030604000101010101" pitchFamily="18" charset="-127"/>
+                <a:ea typeface="함초롬바탕" panose="02030604000101010101" pitchFamily="18" charset="-127"/>
+                <a:cs typeface="함초롬바탕" panose="02030604000101010101" pitchFamily="18" charset="-127"/>
+              </a:rPr>
+              <a:t># ACTIVITY_PAYMENT_SUM </a:t>
+            </a:r>
+            <a:r>
+              <a:rPr lang="ko-KR" altLang="en-US" sz="1200" dirty="0">
+                <a:latin typeface="함초롬바탕" panose="02030604000101010101" pitchFamily="18" charset="-127"/>
+                <a:ea typeface="함초롬바탕" panose="02030604000101010101" pitchFamily="18" charset="-127"/>
+                <a:cs typeface="함초롬바탕" panose="02030604000101010101" pitchFamily="18" charset="-127"/>
+              </a:rPr>
+              <a:t>이 </a:t>
+            </a:r>
+            <a:r>
+              <a:rPr lang="en-US" altLang="ko-KR" sz="1200" dirty="0">
+                <a:latin typeface="함초롬바탕" panose="02030604000101010101" pitchFamily="18" charset="-127"/>
+                <a:ea typeface="함초롬바탕" panose="02030604000101010101" pitchFamily="18" charset="-127"/>
+                <a:cs typeface="함초롬바탕" panose="02030604000101010101" pitchFamily="18" charset="-127"/>
+              </a:rPr>
+              <a:t>0</a:t>
+            </a:r>
+            <a:r>
+              <a:rPr lang="ko-KR" altLang="en-US" sz="1200" dirty="0">
+                <a:latin typeface="함초롬바탕" panose="02030604000101010101" pitchFamily="18" charset="-127"/>
+                <a:ea typeface="함초롬바탕" panose="02030604000101010101" pitchFamily="18" charset="-127"/>
+                <a:cs typeface="함초롬바탕" panose="02030604000101010101" pitchFamily="18" charset="-127"/>
+              </a:rPr>
+              <a:t>인 경우도 포함</a:t>
+            </a:r>
+            <a:r>
+              <a:rPr lang="en-US" altLang="ko-KR" sz="1200" dirty="0">
+                <a:latin typeface="함초롬바탕" panose="02030604000101010101" pitchFamily="18" charset="-127"/>
+                <a:ea typeface="함초롬바탕" panose="02030604000101010101" pitchFamily="18" charset="-127"/>
+                <a:cs typeface="함초롬바탕" panose="02030604000101010101" pitchFamily="18" charset="-127"/>
+              </a:rPr>
+              <a:t> (</a:t>
+            </a:r>
+            <a:r>
+              <a:rPr lang="ko-KR" altLang="en-US" sz="1200" dirty="0">
+                <a:latin typeface="함초롬바탕" panose="02030604000101010101" pitchFamily="18" charset="-127"/>
+                <a:ea typeface="함초롬바탕" panose="02030604000101010101" pitchFamily="18" charset="-127"/>
+                <a:cs typeface="함초롬바탕" panose="02030604000101010101" pitchFamily="18" charset="-127"/>
+              </a:rPr>
+              <a:t>숙소 위치가 친척 집</a:t>
+            </a:r>
+            <a:r>
+              <a:rPr lang="en-US" altLang="ko-KR" sz="1200" dirty="0">
+                <a:latin typeface="함초롬바탕" panose="02030604000101010101" pitchFamily="18" charset="-127"/>
+                <a:ea typeface="함초롬바탕" panose="02030604000101010101" pitchFamily="18" charset="-127"/>
+                <a:cs typeface="함초롬바탕" panose="02030604000101010101" pitchFamily="18" charset="-127"/>
+              </a:rPr>
+              <a:t>, </a:t>
+            </a:r>
+            <a:r>
+              <a:rPr lang="ko-KR" altLang="en-US" sz="1200" dirty="0">
+                <a:latin typeface="함초롬바탕" panose="02030604000101010101" pitchFamily="18" charset="-127"/>
+                <a:ea typeface="함초롬바탕" panose="02030604000101010101" pitchFamily="18" charset="-127"/>
+                <a:cs typeface="함초롬바탕" panose="02030604000101010101" pitchFamily="18" charset="-127"/>
+              </a:rPr>
+              <a:t>소비 내역 없이 단순 구경</a:t>
+            </a:r>
+            <a:r>
+              <a:rPr lang="en-US" altLang="ko-KR" sz="1200" dirty="0">
+                <a:latin typeface="함초롬바탕" panose="02030604000101010101" pitchFamily="18" charset="-127"/>
+                <a:ea typeface="함초롬바탕" panose="02030604000101010101" pitchFamily="18" charset="-127"/>
+                <a:cs typeface="함초롬바탕" panose="02030604000101010101" pitchFamily="18" charset="-127"/>
+              </a:rPr>
+              <a:t>/</a:t>
+            </a:r>
+            <a:r>
+              <a:rPr lang="ko-KR" altLang="en-US" sz="1200" dirty="0">
+                <a:latin typeface="함초롬바탕" panose="02030604000101010101" pitchFamily="18" charset="-127"/>
+                <a:ea typeface="함초롬바탕" panose="02030604000101010101" pitchFamily="18" charset="-127"/>
+                <a:cs typeface="함초롬바탕" panose="02030604000101010101" pitchFamily="18" charset="-127"/>
+              </a:rPr>
+              <a:t>산책</a:t>
+            </a:r>
+            <a:r>
+              <a:rPr lang="en-US" altLang="ko-KR" sz="1200" dirty="0">
+                <a:latin typeface="함초롬바탕" panose="02030604000101010101" pitchFamily="18" charset="-127"/>
+                <a:ea typeface="함초롬바탕" panose="02030604000101010101" pitchFamily="18" charset="-127"/>
+                <a:cs typeface="함초롬바탕" panose="02030604000101010101" pitchFamily="18" charset="-127"/>
+              </a:rPr>
+              <a:t>/</a:t>
+            </a:r>
+            <a:r>
+              <a:rPr lang="ko-KR" altLang="en-US" sz="1200" dirty="0">
+                <a:latin typeface="함초롬바탕" panose="02030604000101010101" pitchFamily="18" charset="-127"/>
+                <a:ea typeface="함초롬바탕" panose="02030604000101010101" pitchFamily="18" charset="-127"/>
+                <a:cs typeface="함초롬바탕" panose="02030604000101010101" pitchFamily="18" charset="-127"/>
+              </a:rPr>
+              <a:t>걷기</a:t>
+            </a:r>
+            <a:r>
+              <a:rPr lang="en-US" altLang="ko-KR" sz="1200" dirty="0">
+                <a:latin typeface="함초롬바탕" panose="02030604000101010101" pitchFamily="18" charset="-127"/>
+                <a:ea typeface="함초롬바탕" panose="02030604000101010101" pitchFamily="18" charset="-127"/>
+                <a:cs typeface="함초롬바탕" panose="02030604000101010101" pitchFamily="18" charset="-127"/>
+              </a:rPr>
+              <a:t>, </a:t>
+            </a:r>
+            <a:r>
+              <a:rPr lang="ko-KR" altLang="en-US" sz="1200" dirty="0">
+                <a:latin typeface="함초롬바탕" panose="02030604000101010101" pitchFamily="18" charset="-127"/>
+                <a:ea typeface="함초롬바탕" panose="02030604000101010101" pitchFamily="18" charset="-127"/>
+                <a:cs typeface="함초롬바탕" panose="02030604000101010101" pitchFamily="18" charset="-127"/>
+              </a:rPr>
+              <a:t>휴식인 경우가 존재</a:t>
+            </a:r>
+            <a:r>
+              <a:rPr lang="en-US" altLang="ko-KR" sz="1200" dirty="0">
+                <a:latin typeface="함초롬바탕" panose="02030604000101010101" pitchFamily="18" charset="-127"/>
+                <a:ea typeface="함초롬바탕" panose="02030604000101010101" pitchFamily="18" charset="-127"/>
+                <a:cs typeface="함초롬바탕" panose="02030604000101010101" pitchFamily="18" charset="-127"/>
+              </a:rPr>
+              <a:t>)</a:t>
+            </a:r>
           </a:p>
           <a:p>
             <a:endParaRPr lang="ko-KR" altLang="en-US" sz="1200" dirty="0">
@@ -12213,7 +12343,7 @@
                 <a:ea typeface="함초롬바탕" panose="02030604000101010101" pitchFamily="18" charset="-127"/>
                 <a:cs typeface="함초롬바탕" panose="02030604000101010101" pitchFamily="18" charset="-127"/>
               </a:rPr>
-              <a:t>진행중</a:t>
+              <a:t>완료</a:t>
             </a:r>
             <a:r>
               <a:rPr lang="en-US" altLang="ko-KR" sz="1200" dirty="0">
@@ -12221,6 +12351,254 @@
                 <a:ea typeface="함초롬바탕" panose="02030604000101010101" pitchFamily="18" charset="-127"/>
                 <a:cs typeface="함초롬바탕" panose="02030604000101010101" pitchFamily="18" charset="-127"/>
               </a:rPr>
+              <a:t># visit_area_base.csv</a:t>
+            </a:r>
+            <a:r>
+              <a:rPr lang="ko-KR" altLang="en-US" sz="1200" dirty="0">
+                <a:latin typeface="함초롬바탕" panose="02030604000101010101" pitchFamily="18" charset="-127"/>
+                <a:ea typeface="함초롬바탕" panose="02030604000101010101" pitchFamily="18" charset="-127"/>
+                <a:cs typeface="함초롬바탕" panose="02030604000101010101" pitchFamily="18" charset="-127"/>
+              </a:rPr>
+              <a:t> 의 </a:t>
+            </a:r>
+            <a:r>
+              <a:rPr lang="en-US" altLang="ko-KR" sz="1200" dirty="0">
+                <a:latin typeface="함초롬바탕" panose="02030604000101010101" pitchFamily="18" charset="-127"/>
+                <a:ea typeface="함초롬바탕" panose="02030604000101010101" pitchFamily="18" charset="-127"/>
+                <a:cs typeface="함초롬바탕" panose="02030604000101010101" pitchFamily="18" charset="-127"/>
+              </a:rPr>
+              <a:t>VISIT_ORDER </a:t>
+            </a:r>
+            <a:r>
+              <a:rPr lang="ko-KR" altLang="en-US" sz="1200" dirty="0">
+                <a:latin typeface="함초롬바탕" panose="02030604000101010101" pitchFamily="18" charset="-127"/>
+                <a:ea typeface="함초롬바탕" panose="02030604000101010101" pitchFamily="18" charset="-127"/>
+                <a:cs typeface="함초롬바탕" panose="02030604000101010101" pitchFamily="18" charset="-127"/>
+              </a:rPr>
+              <a:t>컬럼을 참고하여 </a:t>
+            </a:r>
+            <a:r>
+              <a:rPr lang="en-US" altLang="ko-KR" sz="1200" dirty="0">
+                <a:latin typeface="함초롬바탕" panose="02030604000101010101" pitchFamily="18" charset="-127"/>
+                <a:ea typeface="함초롬바탕" panose="02030604000101010101" pitchFamily="18" charset="-127"/>
+                <a:cs typeface="함초롬바탕" panose="02030604000101010101" pitchFamily="18" charset="-127"/>
+              </a:rPr>
+              <a:t>MOVE_CNT(</a:t>
+            </a:r>
+            <a:r>
+              <a:rPr lang="ko-KR" altLang="en-US" sz="1200" dirty="0">
+                <a:latin typeface="함초롬바탕" panose="02030604000101010101" pitchFamily="18" charset="-127"/>
+                <a:ea typeface="함초롬바탕" panose="02030604000101010101" pitchFamily="18" charset="-127"/>
+                <a:cs typeface="함초롬바탕" panose="02030604000101010101" pitchFamily="18" charset="-127"/>
+              </a:rPr>
+              <a:t>이동 횟수</a:t>
+            </a:r>
+            <a:r>
+              <a:rPr lang="en-US" altLang="ko-KR" sz="1200" dirty="0">
+                <a:latin typeface="함초롬바탕" panose="02030604000101010101" pitchFamily="18" charset="-127"/>
+                <a:ea typeface="함초롬바탕" panose="02030604000101010101" pitchFamily="18" charset="-127"/>
+                <a:cs typeface="함초롬바탕" panose="02030604000101010101" pitchFamily="18" charset="-127"/>
+              </a:rPr>
+              <a:t>) </a:t>
+            </a:r>
+            <a:r>
+              <a:rPr lang="ko-KR" altLang="en-US" sz="1200" dirty="0">
+                <a:latin typeface="함초롬바탕" panose="02030604000101010101" pitchFamily="18" charset="-127"/>
+                <a:ea typeface="함초롬바탕" panose="02030604000101010101" pitchFamily="18" charset="-127"/>
+                <a:cs typeface="함초롬바탕" panose="02030604000101010101" pitchFamily="18" charset="-127"/>
+              </a:rPr>
+              <a:t>컬럼 생성</a:t>
+            </a:r>
+            <a:endParaRPr lang="en-US" altLang="ko-KR" sz="1200" dirty="0">
+              <a:latin typeface="함초롬바탕" panose="02030604000101010101" pitchFamily="18" charset="-127"/>
+              <a:ea typeface="함초롬바탕" panose="02030604000101010101" pitchFamily="18" charset="-127"/>
+              <a:cs typeface="함초롬바탕" panose="02030604000101010101" pitchFamily="18" charset="-127"/>
+            </a:endParaRPr>
+          </a:p>
+          <a:p>
+            <a:r>
+              <a:rPr lang="en-US" altLang="ko-KR" sz="1200" dirty="0">
+                <a:latin typeface="함초롬바탕" panose="02030604000101010101" pitchFamily="18" charset="-127"/>
+                <a:ea typeface="함초롬바탕" panose="02030604000101010101" pitchFamily="18" charset="-127"/>
+                <a:cs typeface="함초롬바탕" panose="02030604000101010101" pitchFamily="18" charset="-127"/>
+              </a:rPr>
+              <a:t>#</a:t>
+            </a:r>
+            <a:r>
+              <a:rPr lang="ko-KR" altLang="en-US" sz="1200" dirty="0">
+                <a:latin typeface="함초롬바탕" panose="02030604000101010101" pitchFamily="18" charset="-127"/>
+                <a:ea typeface="함초롬바탕" panose="02030604000101010101" pitchFamily="18" charset="-127"/>
+                <a:cs typeface="함초롬바탕" panose="02030604000101010101" pitchFamily="18" charset="-127"/>
+              </a:rPr>
+              <a:t>완료</a:t>
+            </a:r>
+            <a:r>
+              <a:rPr lang="en-US" altLang="ko-KR" sz="1200" dirty="0">
+                <a:latin typeface="함초롬바탕" panose="02030604000101010101" pitchFamily="18" charset="-127"/>
+                <a:ea typeface="함초롬바탕" panose="02030604000101010101" pitchFamily="18" charset="-127"/>
+                <a:cs typeface="함초롬바탕" panose="02030604000101010101" pitchFamily="18" charset="-127"/>
+              </a:rPr>
+              <a:t># activity_history.csv</a:t>
+            </a:r>
+            <a:r>
+              <a:rPr lang="ko-KR" altLang="en-US" sz="1200" dirty="0">
+                <a:latin typeface="함초롬바탕" panose="02030604000101010101" pitchFamily="18" charset="-127"/>
+                <a:ea typeface="함초롬바탕" panose="02030604000101010101" pitchFamily="18" charset="-127"/>
+                <a:cs typeface="함초롬바탕" panose="02030604000101010101" pitchFamily="18" charset="-127"/>
+              </a:rPr>
+              <a:t> 의 </a:t>
+            </a:r>
+            <a:r>
+              <a:rPr lang="en-US" altLang="ko-KR" sz="1200" dirty="0">
+                <a:latin typeface="함초롬바탕" panose="02030604000101010101" pitchFamily="18" charset="-127"/>
+                <a:ea typeface="함초롬바탕" panose="02030604000101010101" pitchFamily="18" charset="-127"/>
+                <a:cs typeface="함초롬바탕" panose="02030604000101010101" pitchFamily="18" charset="-127"/>
+              </a:rPr>
+              <a:t>ACTIVITY_TYPE </a:t>
+            </a:r>
+            <a:r>
+              <a:rPr lang="ko-KR" altLang="en-US" sz="1200" dirty="0">
+                <a:latin typeface="함초롬바탕" panose="02030604000101010101" pitchFamily="18" charset="-127"/>
+                <a:ea typeface="함초롬바탕" panose="02030604000101010101" pitchFamily="18" charset="-127"/>
+                <a:cs typeface="함초롬바탕" panose="02030604000101010101" pitchFamily="18" charset="-127"/>
+              </a:rPr>
+              <a:t>컬럼을 참고하여 </a:t>
+            </a:r>
+            <a:r>
+              <a:rPr lang="en-US" altLang="ko-KR" sz="1200" dirty="0">
+                <a:latin typeface="함초롬바탕" panose="02030604000101010101" pitchFamily="18" charset="-127"/>
+                <a:ea typeface="함초롬바탕" panose="02030604000101010101" pitchFamily="18" charset="-127"/>
+                <a:cs typeface="함초롬바탕" panose="02030604000101010101" pitchFamily="18" charset="-127"/>
+              </a:rPr>
+              <a:t>ACTIVITY_CD_(num) </a:t>
+            </a:r>
+            <a:r>
+              <a:rPr lang="ko-KR" altLang="en-US" sz="1200" dirty="0">
+                <a:latin typeface="함초롬바탕" panose="02030604000101010101" pitchFamily="18" charset="-127"/>
+                <a:ea typeface="함초롬바탕" panose="02030604000101010101" pitchFamily="18" charset="-127"/>
+                <a:cs typeface="함초롬바탕" panose="02030604000101010101" pitchFamily="18" charset="-127"/>
+              </a:rPr>
+              <a:t>으로 인코딩</a:t>
+            </a:r>
+            <a:r>
+              <a:rPr lang="en-US" altLang="ko-KR" sz="1200" dirty="0">
+                <a:latin typeface="함초롬바탕" panose="02030604000101010101" pitchFamily="18" charset="-127"/>
+                <a:ea typeface="함초롬바탕" panose="02030604000101010101" pitchFamily="18" charset="-127"/>
+                <a:cs typeface="함초롬바탕" panose="02030604000101010101" pitchFamily="18" charset="-127"/>
+              </a:rPr>
+              <a:t>(7: </a:t>
+            </a:r>
+            <a:r>
+              <a:rPr lang="ko-KR" altLang="en-US" sz="1200" dirty="0">
+                <a:latin typeface="함초롬바탕" panose="02030604000101010101" pitchFamily="18" charset="-127"/>
+                <a:ea typeface="함초롬바탕" panose="02030604000101010101" pitchFamily="18" charset="-127"/>
+                <a:cs typeface="함초롬바탕" panose="02030604000101010101" pitchFamily="18" charset="-127"/>
+              </a:rPr>
+              <a:t>환승 경유</a:t>
+            </a:r>
+            <a:r>
+              <a:rPr lang="en-US" altLang="ko-KR" sz="1200" dirty="0">
+                <a:latin typeface="함초롬바탕" panose="02030604000101010101" pitchFamily="18" charset="-127"/>
+                <a:ea typeface="함초롬바탕" panose="02030604000101010101" pitchFamily="18" charset="-127"/>
+                <a:cs typeface="함초롬바탕" panose="02030604000101010101" pitchFamily="18" charset="-127"/>
+              </a:rPr>
+              <a:t>, 99: </a:t>
+            </a:r>
+            <a:r>
+              <a:rPr lang="ko-KR" altLang="en-US" sz="1200" dirty="0">
+                <a:latin typeface="함초롬바탕" panose="02030604000101010101" pitchFamily="18" charset="-127"/>
+                <a:ea typeface="함초롬바탕" panose="02030604000101010101" pitchFamily="18" charset="-127"/>
+                <a:cs typeface="함초롬바탕" panose="02030604000101010101" pitchFamily="18" charset="-127"/>
+              </a:rPr>
+              <a:t>없음 은 제외</a:t>
+            </a:r>
+            <a:r>
+              <a:rPr lang="en-US" altLang="ko-KR" sz="1200" dirty="0">
+                <a:latin typeface="함초롬바탕" panose="02030604000101010101" pitchFamily="18" charset="-127"/>
+                <a:ea typeface="함초롬바탕" panose="02030604000101010101" pitchFamily="18" charset="-127"/>
+                <a:cs typeface="함초롬바탕" panose="02030604000101010101" pitchFamily="18" charset="-127"/>
+              </a:rPr>
+              <a:t>)</a:t>
+            </a:r>
+          </a:p>
+          <a:p>
+            <a:r>
+              <a:rPr lang="en-US" altLang="ko-KR" sz="1200" dirty="0">
+                <a:latin typeface="함초롬바탕" panose="02030604000101010101" pitchFamily="18" charset="-127"/>
+                <a:ea typeface="함초롬바탕" panose="02030604000101010101" pitchFamily="18" charset="-127"/>
+                <a:cs typeface="함초롬바탕" panose="02030604000101010101" pitchFamily="18" charset="-127"/>
+              </a:rPr>
+              <a:t>#</a:t>
+            </a:r>
+            <a:r>
+              <a:rPr lang="ko-KR" altLang="en-US" sz="1200" dirty="0">
+                <a:latin typeface="함초롬바탕" panose="02030604000101010101" pitchFamily="18" charset="-127"/>
+                <a:ea typeface="함초롬바탕" panose="02030604000101010101" pitchFamily="18" charset="-127"/>
+                <a:cs typeface="함초롬바탕" panose="02030604000101010101" pitchFamily="18" charset="-127"/>
+              </a:rPr>
+              <a:t>완료</a:t>
+            </a:r>
+            <a:r>
+              <a:rPr lang="en-US" altLang="ko-KR" sz="1200" dirty="0">
+                <a:latin typeface="함초롬바탕" panose="02030604000101010101" pitchFamily="18" charset="-127"/>
+                <a:ea typeface="함초롬바탕" panose="02030604000101010101" pitchFamily="18" charset="-127"/>
+                <a:cs typeface="함초롬바탕" panose="02030604000101010101" pitchFamily="18" charset="-127"/>
+              </a:rPr>
+              <a:t># TRAVEL_PURPOSE(==TRAVEL_MISSION), TRAVEL_MISSION_CHECK </a:t>
+            </a:r>
+            <a:r>
+              <a:rPr lang="ko-KR" altLang="en-US" sz="1200" dirty="0">
+                <a:latin typeface="함초롬바탕" panose="02030604000101010101" pitchFamily="18" charset="-127"/>
+                <a:ea typeface="함초롬바탕" panose="02030604000101010101" pitchFamily="18" charset="-127"/>
+                <a:cs typeface="함초롬바탕" panose="02030604000101010101" pitchFamily="18" charset="-127"/>
+              </a:rPr>
+              <a:t>컬럼을 </a:t>
+            </a:r>
+            <a:r>
+              <a:rPr lang="en-US" altLang="ko-KR" sz="1200" dirty="0">
+                <a:latin typeface="함초롬바탕" panose="02030604000101010101" pitchFamily="18" charset="-127"/>
+                <a:ea typeface="함초롬바탕" panose="02030604000101010101" pitchFamily="18" charset="-127"/>
+                <a:cs typeface="함초롬바탕" panose="02030604000101010101" pitchFamily="18" charset="-127"/>
+              </a:rPr>
+              <a:t>TRAVEL_ID </a:t>
+            </a:r>
+            <a:r>
+              <a:rPr lang="ko-KR" altLang="en-US" sz="1200" dirty="0">
+                <a:latin typeface="함초롬바탕" panose="02030604000101010101" pitchFamily="18" charset="-127"/>
+                <a:ea typeface="함초롬바탕" panose="02030604000101010101" pitchFamily="18" charset="-127"/>
+                <a:cs typeface="함초롬바탕" panose="02030604000101010101" pitchFamily="18" charset="-127"/>
+              </a:rPr>
+              <a:t>기준으로 병합</a:t>
+            </a:r>
+            <a:endParaRPr lang="en-US" altLang="ko-KR" sz="1200" dirty="0">
+              <a:latin typeface="함초롬바탕" panose="02030604000101010101" pitchFamily="18" charset="-127"/>
+              <a:ea typeface="함초롬바탕" panose="02030604000101010101" pitchFamily="18" charset="-127"/>
+              <a:cs typeface="함초롬바탕" panose="02030604000101010101" pitchFamily="18" charset="-127"/>
+            </a:endParaRPr>
+          </a:p>
+          <a:p>
+            <a:r>
+              <a:rPr lang="en-US" altLang="ko-KR" sz="1200" dirty="0">
+                <a:latin typeface="함초롬바탕" panose="02030604000101010101" pitchFamily="18" charset="-127"/>
+                <a:ea typeface="함초롬바탕" panose="02030604000101010101" pitchFamily="18" charset="-127"/>
+                <a:cs typeface="함초롬바탕" panose="02030604000101010101" pitchFamily="18" charset="-127"/>
+              </a:rPr>
+              <a:t>#</a:t>
+            </a:r>
+            <a:r>
+              <a:rPr lang="ko-KR" altLang="en-US" sz="1200" dirty="0">
+                <a:latin typeface="함초롬바탕" panose="02030604000101010101" pitchFamily="18" charset="-127"/>
+                <a:ea typeface="함초롬바탕" panose="02030604000101010101" pitchFamily="18" charset="-127"/>
+                <a:cs typeface="함초롬바탕" panose="02030604000101010101" pitchFamily="18" charset="-127"/>
+              </a:rPr>
+              <a:t>완료</a:t>
+            </a:r>
+            <a:r>
+              <a:rPr lang="en-US" altLang="ko-KR" sz="1200" dirty="0">
+                <a:latin typeface="함초롬바탕" panose="02030604000101010101" pitchFamily="18" charset="-127"/>
+                <a:ea typeface="함초롬바탕" panose="02030604000101010101" pitchFamily="18" charset="-127"/>
+                <a:cs typeface="함초롬바탕" panose="02030604000101010101" pitchFamily="18" charset="-127"/>
+              </a:rPr>
               <a:t># </a:t>
             </a:r>
             <a:r>
@@ -12229,7 +12607,7 @@
                 <a:ea typeface="함초롬바탕" panose="02030604000101010101" pitchFamily="18" charset="-127"/>
                 <a:cs typeface="함초롬바탕" panose="02030604000101010101" pitchFamily="18" charset="-127"/>
               </a:rPr>
-              <a:t>travel_mission</a:t>
+              <a:t>travel_missio</a:t>
             </a:r>
             <a:r>
               <a:rPr lang="ko-KR" altLang="en-US" sz="1200" dirty="0">
@@ -12277,7 +12655,7 @@
                 <a:ea typeface="함초롬바탕" panose="02030604000101010101" pitchFamily="18" charset="-127"/>
                 <a:cs typeface="함초롬바탕" panose="02030604000101010101" pitchFamily="18" charset="-127"/>
               </a:rPr>
-              <a:t> 여행활동을 했는지 컬럼 생성 </a:t>
+              <a:t> 여행활동을 했는지 컬럼 생성</a:t>
             </a:r>
             <a:r>
               <a:rPr lang="en-US" altLang="ko-KR" sz="1200" dirty="0">
@@ -12285,8 +12663,68 @@
                 <a:ea typeface="함초롬바탕" panose="02030604000101010101" pitchFamily="18" charset="-127"/>
                 <a:cs typeface="함초롬바탕" panose="02030604000101010101" pitchFamily="18" charset="-127"/>
               </a:rPr>
-              <a:t>(y/n)</a:t>
-            </a:r>
+              <a:t>(MISSION_PURPOSE_GAP_RATIO)</a:t>
+            </a:r>
+          </a:p>
+          <a:p>
+            <a:r>
+              <a:rPr lang="en-US" altLang="ko-KR" sz="1200" dirty="0">
+                <a:latin typeface="함초롬바탕" panose="02030604000101010101" pitchFamily="18" charset="-127"/>
+                <a:ea typeface="함초롬바탕" panose="02030604000101010101" pitchFamily="18" charset="-127"/>
+                <a:cs typeface="함초롬바탕" panose="02030604000101010101" pitchFamily="18" charset="-127"/>
+              </a:rPr>
+              <a:t># ACTIVITY_TYPE_CD </a:t>
+            </a:r>
+            <a:r>
+              <a:rPr lang="ko-KR" altLang="en-US" sz="1200" dirty="0">
+                <a:latin typeface="함초롬바탕" panose="02030604000101010101" pitchFamily="18" charset="-127"/>
+                <a:ea typeface="함초롬바탕" panose="02030604000101010101" pitchFamily="18" charset="-127"/>
+                <a:cs typeface="함초롬바탕" panose="02030604000101010101" pitchFamily="18" charset="-127"/>
+              </a:rPr>
+              <a:t>의 고유 개수를 파악하여 </a:t>
+            </a:r>
+            <a:r>
+              <a:rPr lang="en-US" altLang="ko-KR" sz="1200" dirty="0">
+                <a:latin typeface="함초롬바탕" panose="02030604000101010101" pitchFamily="18" charset="-127"/>
+                <a:ea typeface="함초롬바탕" panose="02030604000101010101" pitchFamily="18" charset="-127"/>
+                <a:cs typeface="함초롬바탕" panose="02030604000101010101" pitchFamily="18" charset="-127"/>
+              </a:rPr>
+              <a:t>ACTIVITY_TYPE_UNIQUE </a:t>
+            </a:r>
+            <a:r>
+              <a:rPr lang="ko-KR" altLang="en-US" sz="1200" dirty="0">
+                <a:latin typeface="함초롬바탕" panose="02030604000101010101" pitchFamily="18" charset="-127"/>
+                <a:ea typeface="함초롬바탕" panose="02030604000101010101" pitchFamily="18" charset="-127"/>
+                <a:cs typeface="함초롬바탕" panose="02030604000101010101" pitchFamily="18" charset="-127"/>
+              </a:rPr>
+              <a:t>컬럼 생성</a:t>
+            </a:r>
+            <a:r>
+              <a:rPr lang="en-US" altLang="ko-KR" sz="1200" dirty="0">
+                <a:latin typeface="함초롬바탕" panose="02030604000101010101" pitchFamily="18" charset="-127"/>
+                <a:ea typeface="함초롬바탕" panose="02030604000101010101" pitchFamily="18" charset="-127"/>
+                <a:cs typeface="함초롬바탕" panose="02030604000101010101" pitchFamily="18" charset="-127"/>
+              </a:rPr>
+              <a:t> (</a:t>
+            </a:r>
+            <a:r>
+              <a:rPr lang="ko-KR" altLang="en-US" sz="1200" dirty="0">
+                <a:latin typeface="함초롬바탕" panose="02030604000101010101" pitchFamily="18" charset="-127"/>
+                <a:ea typeface="함초롬바탕" panose="02030604000101010101" pitchFamily="18" charset="-127"/>
+                <a:cs typeface="함초롬바탕" panose="02030604000101010101" pitchFamily="18" charset="-127"/>
+              </a:rPr>
+              <a:t>얼마나 다양한 카테고리의 활동을 했는지 파악</a:t>
+            </a:r>
+            <a:r>
+              <a:rPr lang="en-US" altLang="ko-KR" sz="1200" dirty="0">
+                <a:latin typeface="함초롬바탕" panose="02030604000101010101" pitchFamily="18" charset="-127"/>
+                <a:ea typeface="함초롬바탕" panose="02030604000101010101" pitchFamily="18" charset="-127"/>
+                <a:cs typeface="함초롬바탕" panose="02030604000101010101" pitchFamily="18" charset="-127"/>
+              </a:rPr>
+              <a:t>)</a:t>
+            </a:r>
+          </a:p>
+          <a:p>
             <a:endParaRPr lang="ko-KR" altLang="en-US" sz="1200" dirty="0">
               <a:latin typeface="함초롬바탕" panose="02030604000101010101" pitchFamily="18" charset="-127"/>
               <a:ea typeface="함초롬바탕" panose="02030604000101010101" pitchFamily="18" charset="-127"/>
